--- a/Learning.pptx
+++ b/Learning.pptx
@@ -6,7 +6,10 @@
   </p:sldMasterIdLst>
   <p:sldIdLst>
     <p:sldId id="256" r:id="rId2"/>
-    <p:sldId id="257" r:id="rId3"/>
+    <p:sldId id="258" r:id="rId3"/>
+    <p:sldId id="257" r:id="rId4"/>
+    <p:sldId id="259" r:id="rId5"/>
+    <p:sldId id="260" r:id="rId6"/>
   </p:sldIdLst>
   <p:sldSz cx="12192000" cy="6858000"/>
   <p:notesSz cx="6858000" cy="9144000"/>
@@ -106,6 +109,18 @@
     </a:lvl9pPr>
   </p:defaultTextStyle>
 </p:presentation>
+</file>
+
+<file path=ppt/commentAuthors.xml><?xml version="1.0" encoding="utf-8"?>
+<p:cmAuthorLst xmlns:a="http://schemas.openxmlformats.org/drawingml/2006/main" xmlns:r="http://schemas.openxmlformats.org/officeDocument/2006/relationships" xmlns:p="http://schemas.openxmlformats.org/presentationml/2006/main">
+  <p:cmAuthor id="1" name="Jai Prasad" initials="JP" lastIdx="1" clrIdx="0">
+    <p:extLst>
+      <p:ext uri="{19B8F6BF-5375-455C-9EA6-DF929625EA0E}">
+        <p15:presenceInfo xmlns:p15="http://schemas.microsoft.com/office/powerpoint/2012/main" userId="9acedb2807cc943d" providerId="Windows Live"/>
+      </p:ext>
+    </p:extLst>
+  </p:cmAuthor>
+</p:cmAuthorLst>
 </file>
 
 <file path=ppt/slideLayouts/slideLayout1.xml><?xml version="1.0" encoding="utf-8"?>
@@ -3041,6 +3056,60 @@
           <a:chExt cx="0" cy="0"/>
         </a:xfrm>
       </p:grpSpPr>
+      <p:pic>
+        <p:nvPicPr>
+          <p:cNvPr id="2" name="Picture 1"/>
+          <p:cNvPicPr>
+            <a:picLocks noChangeAspect="1"/>
+          </p:cNvPicPr>
+          <p:nvPr/>
+        </p:nvPicPr>
+        <p:blipFill>
+          <a:blip r:embed="rId2"/>
+          <a:stretch>
+            <a:fillRect/>
+          </a:stretch>
+        </p:blipFill>
+        <p:spPr>
+          <a:xfrm>
+            <a:off x="272813" y="112594"/>
+            <a:ext cx="11815630" cy="6643048"/>
+          </a:xfrm>
+          <a:prstGeom prst="rect">
+            <a:avLst/>
+          </a:prstGeom>
+        </p:spPr>
+      </p:pic>
+    </p:spTree>
+    <p:extLst>
+      <p:ext uri="{BB962C8B-B14F-4D97-AF65-F5344CB8AC3E}">
+        <p14:creationId xmlns:p14="http://schemas.microsoft.com/office/powerpoint/2010/main" val="3874564986"/>
+      </p:ext>
+    </p:extLst>
+  </p:cSld>
+  <p:clrMapOvr>
+    <a:masterClrMapping/>
+  </p:clrMapOvr>
+</p:sld>
+</file>
+
+<file path=ppt/slides/slide3.xml><?xml version="1.0" encoding="utf-8"?>
+<p:sld xmlns:a="http://schemas.openxmlformats.org/drawingml/2006/main" xmlns:r="http://schemas.openxmlformats.org/officeDocument/2006/relationships" xmlns:p="http://schemas.openxmlformats.org/presentationml/2006/main">
+  <p:cSld>
+    <p:spTree>
+      <p:nvGrpSpPr>
+        <p:cNvPr id="1" name=""/>
+        <p:cNvGrpSpPr/>
+        <p:nvPr/>
+      </p:nvGrpSpPr>
+      <p:grpSpPr>
+        <a:xfrm>
+          <a:off x="0" y="0"/>
+          <a:ext cx="0" cy="0"/>
+          <a:chOff x="0" y="0"/>
+          <a:chExt cx="0" cy="0"/>
+        </a:xfrm>
+      </p:grpSpPr>
       <p:sp>
         <p:nvSpPr>
           <p:cNvPr id="2" name="Title 1"/>
@@ -3058,7 +3127,7 @@
           <a:p>
             <a:r>
               <a:rPr lang="en-IN" dirty="0" smtClean="0"/>
-              <a:t>Introduction</a:t>
+              <a:t>Notes</a:t>
             </a:r>
             <a:endParaRPr lang="en-US" dirty="0"/>
           </a:p>
@@ -3097,6 +3166,28 @@
               <a:rPr lang="en-IN" dirty="0" smtClean="0"/>
               <a:t>It provides very fast stream processing.</a:t>
             </a:r>
+          </a:p>
+          <a:p>
+            <a:r>
+              <a:rPr lang="en-IN" dirty="0" err="1" smtClean="0"/>
+              <a:t>Flink</a:t>
+            </a:r>
+            <a:r>
+              <a:rPr lang="en-IN" dirty="0" smtClean="0"/>
+              <a:t> is the best tool for stream processing of big data.</a:t>
+            </a:r>
+          </a:p>
+          <a:p>
+            <a:r>
+              <a:rPr lang="en-IN" dirty="0" err="1" smtClean="0"/>
+              <a:t>Flink</a:t>
+            </a:r>
+            <a:r>
+              <a:rPr lang="en-IN" dirty="0" smtClean="0"/>
+              <a:t> gives us low latency and high throughput applications while running jobs.</a:t>
+            </a:r>
+          </a:p>
+          <a:p>
             <a:endParaRPr lang="en-US" dirty="0"/>
           </a:p>
         </p:txBody>
@@ -3105,6 +3196,215 @@
     <p:extLst>
       <p:ext uri="{BB962C8B-B14F-4D97-AF65-F5344CB8AC3E}">
         <p14:creationId xmlns:p14="http://schemas.microsoft.com/office/powerpoint/2010/main" val="670171007"/>
+      </p:ext>
+    </p:extLst>
+  </p:cSld>
+  <p:clrMapOvr>
+    <a:masterClrMapping/>
+  </p:clrMapOvr>
+</p:sld>
+</file>
+
+<file path=ppt/slides/slide4.xml><?xml version="1.0" encoding="utf-8"?>
+<p:sld xmlns:a="http://schemas.openxmlformats.org/drawingml/2006/main" xmlns:r="http://schemas.openxmlformats.org/officeDocument/2006/relationships" xmlns:p="http://schemas.openxmlformats.org/presentationml/2006/main">
+  <p:cSld>
+    <p:spTree>
+      <p:nvGrpSpPr>
+        <p:cNvPr id="1" name=""/>
+        <p:cNvGrpSpPr/>
+        <p:nvPr/>
+      </p:nvGrpSpPr>
+      <p:grpSpPr>
+        <a:xfrm>
+          <a:off x="0" y="0"/>
+          <a:ext cx="0" cy="0"/>
+          <a:chOff x="0" y="0"/>
+          <a:chExt cx="0" cy="0"/>
+        </a:xfrm>
+      </p:grpSpPr>
+      <p:pic>
+        <p:nvPicPr>
+          <p:cNvPr id="2" name="Picture 1"/>
+          <p:cNvPicPr>
+            <a:picLocks noChangeAspect="1"/>
+          </p:cNvPicPr>
+          <p:nvPr/>
+        </p:nvPicPr>
+        <p:blipFill>
+          <a:blip r:embed="rId2"/>
+          <a:stretch>
+            <a:fillRect/>
+          </a:stretch>
+        </p:blipFill>
+        <p:spPr>
+          <a:xfrm>
+            <a:off x="327404" y="235424"/>
+            <a:ext cx="11597159" cy="6520218"/>
+          </a:xfrm>
+          <a:prstGeom prst="rect">
+            <a:avLst/>
+          </a:prstGeom>
+        </p:spPr>
+      </p:pic>
+    </p:spTree>
+    <p:extLst>
+      <p:ext uri="{BB962C8B-B14F-4D97-AF65-F5344CB8AC3E}">
+        <p14:creationId xmlns:p14="http://schemas.microsoft.com/office/powerpoint/2010/main" val="2887891315"/>
+      </p:ext>
+    </p:extLst>
+  </p:cSld>
+  <p:clrMapOvr>
+    <a:masterClrMapping/>
+  </p:clrMapOvr>
+</p:sld>
+</file>
+
+<file path=ppt/slides/slide5.xml><?xml version="1.0" encoding="utf-8"?>
+<p:sld xmlns:a="http://schemas.openxmlformats.org/drawingml/2006/main" xmlns:r="http://schemas.openxmlformats.org/officeDocument/2006/relationships" xmlns:p="http://schemas.openxmlformats.org/presentationml/2006/main">
+  <p:cSld>
+    <p:spTree>
+      <p:nvGrpSpPr>
+        <p:cNvPr id="1" name=""/>
+        <p:cNvGrpSpPr/>
+        <p:nvPr/>
+      </p:nvGrpSpPr>
+      <p:grpSpPr>
+        <a:xfrm>
+          <a:off x="0" y="0"/>
+          <a:ext cx="0" cy="0"/>
+          <a:chOff x="0" y="0"/>
+          <a:chExt cx="0" cy="0"/>
+        </a:xfrm>
+      </p:grpSpPr>
+      <p:sp>
+        <p:nvSpPr>
+          <p:cNvPr id="2" name="Title 1"/>
+          <p:cNvSpPr>
+            <a:spLocks noGrp="1"/>
+          </p:cNvSpPr>
+          <p:nvPr>
+            <p:ph type="title"/>
+          </p:nvPr>
+        </p:nvSpPr>
+        <p:spPr/>
+        <p:txBody>
+          <a:bodyPr/>
+          <a:lstStyle/>
+          <a:p>
+            <a:r>
+              <a:rPr lang="en-IN" dirty="0" err="1" smtClean="0"/>
+              <a:t>Hadoop</a:t>
+            </a:r>
+            <a:r>
+              <a:rPr lang="en-IN" dirty="0" smtClean="0"/>
+              <a:t> </a:t>
+            </a:r>
+            <a:r>
+              <a:rPr lang="en-IN" dirty="0" err="1" smtClean="0"/>
+              <a:t>vs</a:t>
+            </a:r>
+            <a:r>
+              <a:rPr lang="en-IN" dirty="0" smtClean="0"/>
+              <a:t> </a:t>
+            </a:r>
+            <a:r>
+              <a:rPr lang="en-IN" dirty="0" err="1" smtClean="0"/>
+              <a:t>Spark&amp;Flink</a:t>
+            </a:r>
+            <a:endParaRPr lang="en-US" dirty="0"/>
+          </a:p>
+        </p:txBody>
+      </p:sp>
+      <p:sp>
+        <p:nvSpPr>
+          <p:cNvPr id="3" name="Content Placeholder 2"/>
+          <p:cNvSpPr>
+            <a:spLocks noGrp="1"/>
+          </p:cNvSpPr>
+          <p:nvPr>
+            <p:ph idx="1"/>
+          </p:nvPr>
+        </p:nvSpPr>
+        <p:spPr/>
+        <p:txBody>
+          <a:bodyPr/>
+          <a:lstStyle/>
+          <a:p>
+            <a:r>
+              <a:rPr lang="en-IN" dirty="0" smtClean="0"/>
+              <a:t>Main difference is spark and </a:t>
+            </a:r>
+            <a:r>
+              <a:rPr lang="en-IN" dirty="0" err="1" smtClean="0"/>
+              <a:t>flink</a:t>
+            </a:r>
+            <a:r>
+              <a:rPr lang="en-IN" dirty="0" smtClean="0"/>
+              <a:t> do in-memory computation where as </a:t>
+            </a:r>
+            <a:r>
+              <a:rPr lang="en-IN" dirty="0" err="1" smtClean="0"/>
+              <a:t>hadoop</a:t>
+            </a:r>
+            <a:r>
+              <a:rPr lang="en-IN" dirty="0" smtClean="0"/>
+              <a:t> does by storing intermediate results to disk and do read/write which slows down the execution time.</a:t>
+            </a:r>
+          </a:p>
+          <a:p>
+            <a:r>
+              <a:rPr lang="en-IN" dirty="0" smtClean="0"/>
+              <a:t>Spark – RDD</a:t>
+            </a:r>
+          </a:p>
+          <a:p>
+            <a:r>
+              <a:rPr lang="en-IN" dirty="0" err="1" smtClean="0"/>
+              <a:t>Flink</a:t>
+            </a:r>
+            <a:r>
+              <a:rPr lang="en-IN" dirty="0" smtClean="0"/>
+              <a:t> – </a:t>
+            </a:r>
+            <a:r>
+              <a:rPr lang="en-IN" dirty="0" err="1" smtClean="0"/>
+              <a:t>Dataflows</a:t>
+            </a:r>
+            <a:endParaRPr lang="en-IN" dirty="0" smtClean="0"/>
+          </a:p>
+          <a:p>
+            <a:r>
+              <a:rPr lang="en-IN" dirty="0" smtClean="0"/>
+              <a:t>Both have their own API libraries for machine learning, </a:t>
+            </a:r>
+            <a:r>
+              <a:rPr lang="en-IN" dirty="0" err="1" smtClean="0"/>
+              <a:t>flink</a:t>
+            </a:r>
+            <a:r>
+              <a:rPr lang="en-IN" dirty="0" smtClean="0"/>
+              <a:t> has </a:t>
+            </a:r>
+            <a:r>
+              <a:rPr lang="en-IN" dirty="0" err="1" smtClean="0"/>
+              <a:t>flinkML</a:t>
+            </a:r>
+            <a:r>
+              <a:rPr lang="en-IN" dirty="0" smtClean="0"/>
+              <a:t> and spark has </a:t>
+            </a:r>
+            <a:r>
+              <a:rPr lang="en-IN" smtClean="0"/>
+              <a:t>Mlib</a:t>
+            </a:r>
+            <a:endParaRPr lang="en-US" dirty="0"/>
+          </a:p>
+        </p:txBody>
+      </p:sp>
+    </p:spTree>
+    <p:extLst>
+      <p:ext uri="{BB962C8B-B14F-4D97-AF65-F5344CB8AC3E}">
+        <p14:creationId xmlns:p14="http://schemas.microsoft.com/office/powerpoint/2010/main" val="396451115"/>
       </p:ext>
     </p:extLst>
   </p:cSld>

--- a/Learning.pptx
+++ b/Learning.pptx
@@ -108,6 +108,11 @@
       </a:defRPr>
     </a:lvl9pPr>
   </p:defaultTextStyle>
+  <p:extLst>
+    <p:ext uri="{EFAFB233-063F-42B5-8137-9DF3F51BA10A}">
+      <p15:sldGuideLst xmlns:p15="http://schemas.microsoft.com/office/powerpoint/2012/main"/>
+    </p:ext>
+  </p:extLst>
 </p:presentation>
 </file>
 
@@ -3394,8 +3399,15 @@
               <a:t> and spark has </a:t>
             </a:r>
             <a:r>
-              <a:rPr lang="en-IN" smtClean="0"/>
+              <a:rPr lang="en-IN" dirty="0" err="1" smtClean="0"/>
               <a:t>Mlib</a:t>
+            </a:r>
+            <a:endParaRPr lang="en-IN" dirty="0" smtClean="0"/>
+          </a:p>
+          <a:p>
+            <a:r>
+              <a:rPr lang="en-IN" dirty="0" smtClean="0"/>
+              <a:t>Both support iterative processing</a:t>
             </a:r>
             <a:endParaRPr lang="en-US" dirty="0"/>
           </a:p>

--- a/Learning.pptx
+++ b/Learning.pptx
@@ -10,6 +10,9 @@
     <p:sldId id="257" r:id="rId4"/>
     <p:sldId id="259" r:id="rId5"/>
     <p:sldId id="260" r:id="rId6"/>
+    <p:sldId id="261" r:id="rId7"/>
+    <p:sldId id="262" r:id="rId8"/>
+    <p:sldId id="263" r:id="rId9"/>
   </p:sldIdLst>
   <p:sldSz cx="12192000" cy="6858000"/>
   <p:notesSz cx="6858000" cy="9144000"/>
@@ -259,7 +262,7 @@
           <a:p>
             <a:fld id="{6DCCBEB6-25A9-4BA2-9C80-AAD61619744B}" type="datetimeFigureOut">
               <a:rPr lang="en-US" smtClean="0"/>
-              <a:t>7/8/2021</a:t>
+              <a:t>10/21/2021</a:t>
             </a:fld>
             <a:endParaRPr lang="en-US"/>
           </a:p>
@@ -429,7 +432,7 @@
           <a:p>
             <a:fld id="{6DCCBEB6-25A9-4BA2-9C80-AAD61619744B}" type="datetimeFigureOut">
               <a:rPr lang="en-US" smtClean="0"/>
-              <a:t>7/8/2021</a:t>
+              <a:t>10/21/2021</a:t>
             </a:fld>
             <a:endParaRPr lang="en-US"/>
           </a:p>
@@ -609,7 +612,7 @@
           <a:p>
             <a:fld id="{6DCCBEB6-25A9-4BA2-9C80-AAD61619744B}" type="datetimeFigureOut">
               <a:rPr lang="en-US" smtClean="0"/>
-              <a:t>7/8/2021</a:t>
+              <a:t>10/21/2021</a:t>
             </a:fld>
             <a:endParaRPr lang="en-US"/>
           </a:p>
@@ -779,7 +782,7 @@
           <a:p>
             <a:fld id="{6DCCBEB6-25A9-4BA2-9C80-AAD61619744B}" type="datetimeFigureOut">
               <a:rPr lang="en-US" smtClean="0"/>
-              <a:t>7/8/2021</a:t>
+              <a:t>10/21/2021</a:t>
             </a:fld>
             <a:endParaRPr lang="en-US"/>
           </a:p>
@@ -1025,7 +1028,7 @@
           <a:p>
             <a:fld id="{6DCCBEB6-25A9-4BA2-9C80-AAD61619744B}" type="datetimeFigureOut">
               <a:rPr lang="en-US" smtClean="0"/>
-              <a:t>7/8/2021</a:t>
+              <a:t>10/21/2021</a:t>
             </a:fld>
             <a:endParaRPr lang="en-US"/>
           </a:p>
@@ -1257,7 +1260,7 @@
           <a:p>
             <a:fld id="{6DCCBEB6-25A9-4BA2-9C80-AAD61619744B}" type="datetimeFigureOut">
               <a:rPr lang="en-US" smtClean="0"/>
-              <a:t>7/8/2021</a:t>
+              <a:t>10/21/2021</a:t>
             </a:fld>
             <a:endParaRPr lang="en-US"/>
           </a:p>
@@ -1624,7 +1627,7 @@
           <a:p>
             <a:fld id="{6DCCBEB6-25A9-4BA2-9C80-AAD61619744B}" type="datetimeFigureOut">
               <a:rPr lang="en-US" smtClean="0"/>
-              <a:t>7/8/2021</a:t>
+              <a:t>10/21/2021</a:t>
             </a:fld>
             <a:endParaRPr lang="en-US"/>
           </a:p>
@@ -1742,7 +1745,7 @@
           <a:p>
             <a:fld id="{6DCCBEB6-25A9-4BA2-9C80-AAD61619744B}" type="datetimeFigureOut">
               <a:rPr lang="en-US" smtClean="0"/>
-              <a:t>7/8/2021</a:t>
+              <a:t>10/21/2021</a:t>
             </a:fld>
             <a:endParaRPr lang="en-US"/>
           </a:p>
@@ -1837,7 +1840,7 @@
           <a:p>
             <a:fld id="{6DCCBEB6-25A9-4BA2-9C80-AAD61619744B}" type="datetimeFigureOut">
               <a:rPr lang="en-US" smtClean="0"/>
-              <a:t>7/8/2021</a:t>
+              <a:t>10/21/2021</a:t>
             </a:fld>
             <a:endParaRPr lang="en-US"/>
           </a:p>
@@ -2114,7 +2117,7 @@
           <a:p>
             <a:fld id="{6DCCBEB6-25A9-4BA2-9C80-AAD61619744B}" type="datetimeFigureOut">
               <a:rPr lang="en-US" smtClean="0"/>
-              <a:t>7/8/2021</a:t>
+              <a:t>10/21/2021</a:t>
             </a:fld>
             <a:endParaRPr lang="en-US"/>
           </a:p>
@@ -2367,7 +2370,7 @@
           <a:p>
             <a:fld id="{6DCCBEB6-25A9-4BA2-9C80-AAD61619744B}" type="datetimeFigureOut">
               <a:rPr lang="en-US" smtClean="0"/>
-              <a:t>7/8/2021</a:t>
+              <a:t>10/21/2021</a:t>
             </a:fld>
             <a:endParaRPr lang="en-US"/>
           </a:p>
@@ -2580,7 +2583,7 @@
           <a:p>
             <a:fld id="{6DCCBEB6-25A9-4BA2-9C80-AAD61619744B}" type="datetimeFigureOut">
               <a:rPr lang="en-US" smtClean="0"/>
-              <a:t>7/8/2021</a:t>
+              <a:t>10/21/2021</a:t>
             </a:fld>
             <a:endParaRPr lang="en-US"/>
           </a:p>
@@ -3426,6 +3429,168 @@
 </p:sld>
 </file>
 
+<file path=ppt/slides/slide6.xml><?xml version="1.0" encoding="utf-8"?>
+<p:sld xmlns:a="http://schemas.openxmlformats.org/drawingml/2006/main" xmlns:r="http://schemas.openxmlformats.org/officeDocument/2006/relationships" xmlns:p="http://schemas.openxmlformats.org/presentationml/2006/main">
+  <p:cSld>
+    <p:spTree>
+      <p:nvGrpSpPr>
+        <p:cNvPr id="1" name=""/>
+        <p:cNvGrpSpPr/>
+        <p:nvPr/>
+      </p:nvGrpSpPr>
+      <p:grpSpPr>
+        <a:xfrm>
+          <a:off x="0" y="0"/>
+          <a:ext cx="0" cy="0"/>
+          <a:chOff x="0" y="0"/>
+          <a:chExt cx="0" cy="0"/>
+        </a:xfrm>
+      </p:grpSpPr>
+      <p:pic>
+        <p:nvPicPr>
+          <p:cNvPr id="3" name="Picture 2"/>
+          <p:cNvPicPr>
+            <a:picLocks noChangeAspect="1"/>
+          </p:cNvPicPr>
+          <p:nvPr/>
+        </p:nvPicPr>
+        <p:blipFill>
+          <a:blip r:embed="rId2"/>
+          <a:stretch>
+            <a:fillRect/>
+          </a:stretch>
+        </p:blipFill>
+        <p:spPr>
+          <a:xfrm>
+            <a:off x="-409575" y="-228600"/>
+            <a:ext cx="13011150" cy="7315200"/>
+          </a:xfrm>
+          <a:prstGeom prst="rect">
+            <a:avLst/>
+          </a:prstGeom>
+        </p:spPr>
+      </p:pic>
+    </p:spTree>
+    <p:extLst>
+      <p:ext uri="{BB962C8B-B14F-4D97-AF65-F5344CB8AC3E}">
+        <p14:creationId xmlns:p14="http://schemas.microsoft.com/office/powerpoint/2010/main" val="2600432561"/>
+      </p:ext>
+    </p:extLst>
+  </p:cSld>
+  <p:clrMapOvr>
+    <a:masterClrMapping/>
+  </p:clrMapOvr>
+</p:sld>
+</file>
+
+<file path=ppt/slides/slide7.xml><?xml version="1.0" encoding="utf-8"?>
+<p:sld xmlns:a="http://schemas.openxmlformats.org/drawingml/2006/main" xmlns:r="http://schemas.openxmlformats.org/officeDocument/2006/relationships" xmlns:p="http://schemas.openxmlformats.org/presentationml/2006/main">
+  <p:cSld>
+    <p:spTree>
+      <p:nvGrpSpPr>
+        <p:cNvPr id="1" name=""/>
+        <p:cNvGrpSpPr/>
+        <p:nvPr/>
+      </p:nvGrpSpPr>
+      <p:grpSpPr>
+        <a:xfrm>
+          <a:off x="0" y="0"/>
+          <a:ext cx="0" cy="0"/>
+          <a:chOff x="0" y="0"/>
+          <a:chExt cx="0" cy="0"/>
+        </a:xfrm>
+      </p:grpSpPr>
+      <p:pic>
+        <p:nvPicPr>
+          <p:cNvPr id="2" name="Picture 1"/>
+          <p:cNvPicPr>
+            <a:picLocks noChangeAspect="1"/>
+          </p:cNvPicPr>
+          <p:nvPr/>
+        </p:nvPicPr>
+        <p:blipFill>
+          <a:blip r:embed="rId2"/>
+          <a:stretch>
+            <a:fillRect/>
+          </a:stretch>
+        </p:blipFill>
+        <p:spPr>
+          <a:xfrm>
+            <a:off x="-409575" y="-228600"/>
+            <a:ext cx="13011150" cy="7315200"/>
+          </a:xfrm>
+          <a:prstGeom prst="rect">
+            <a:avLst/>
+          </a:prstGeom>
+        </p:spPr>
+      </p:pic>
+    </p:spTree>
+    <p:extLst>
+      <p:ext uri="{BB962C8B-B14F-4D97-AF65-F5344CB8AC3E}">
+        <p14:creationId xmlns:p14="http://schemas.microsoft.com/office/powerpoint/2010/main" val="1316766329"/>
+      </p:ext>
+    </p:extLst>
+  </p:cSld>
+  <p:clrMapOvr>
+    <a:masterClrMapping/>
+  </p:clrMapOvr>
+</p:sld>
+</file>
+
+<file path=ppt/slides/slide8.xml><?xml version="1.0" encoding="utf-8"?>
+<p:sld xmlns:a="http://schemas.openxmlformats.org/drawingml/2006/main" xmlns:r="http://schemas.openxmlformats.org/officeDocument/2006/relationships" xmlns:p="http://schemas.openxmlformats.org/presentationml/2006/main">
+  <p:cSld>
+    <p:spTree>
+      <p:nvGrpSpPr>
+        <p:cNvPr id="1" name=""/>
+        <p:cNvGrpSpPr/>
+        <p:nvPr/>
+      </p:nvGrpSpPr>
+      <p:grpSpPr>
+        <a:xfrm>
+          <a:off x="0" y="0"/>
+          <a:ext cx="0" cy="0"/>
+          <a:chOff x="0" y="0"/>
+          <a:chExt cx="0" cy="0"/>
+        </a:xfrm>
+      </p:grpSpPr>
+      <p:pic>
+        <p:nvPicPr>
+          <p:cNvPr id="2" name="Picture 1"/>
+          <p:cNvPicPr>
+            <a:picLocks noChangeAspect="1"/>
+          </p:cNvPicPr>
+          <p:nvPr/>
+        </p:nvPicPr>
+        <p:blipFill>
+          <a:blip r:embed="rId2"/>
+          <a:stretch>
+            <a:fillRect/>
+          </a:stretch>
+        </p:blipFill>
+        <p:spPr>
+          <a:xfrm>
+            <a:off x="-409575" y="-228600"/>
+            <a:ext cx="13011150" cy="7315200"/>
+          </a:xfrm>
+          <a:prstGeom prst="rect">
+            <a:avLst/>
+          </a:prstGeom>
+        </p:spPr>
+      </p:pic>
+    </p:spTree>
+    <p:extLst>
+      <p:ext uri="{BB962C8B-B14F-4D97-AF65-F5344CB8AC3E}">
+        <p14:creationId xmlns:p14="http://schemas.microsoft.com/office/powerpoint/2010/main" val="3077211420"/>
+      </p:ext>
+    </p:extLst>
+  </p:cSld>
+  <p:clrMapOvr>
+    <a:masterClrMapping/>
+  </p:clrMapOvr>
+</p:sld>
+</file>
+
 <file path=ppt/theme/theme1.xml><?xml version="1.0" encoding="utf-8"?>
 <a:theme xmlns:a="http://schemas.openxmlformats.org/drawingml/2006/main" name="Office Theme">
   <a:themeElements>
